--- a/docs/20220218_riunione_prof_Branz.pptx
+++ b/docs/20220218_riunione_prof_Branz.pptx
@@ -278,7 +278,7 @@
         <p:spPr bwMode="auto">
           <a:xfrm>
             <a:off x="1309514" y="1839834"/>
-            <a:ext cx="4011787" cy="1314325"/>
+            <a:ext cx="4011787" cy="1314324"/>
           </a:xfrm>
           <a:custGeom>
             <a:avLst/>
@@ -368,7 +368,7 @@
         </p:nvSpPr>
         <p:spPr bwMode="auto">
           <a:xfrm>
-            <a:off x="6567031" y="4629133"/>
+            <a:off x="6567030" y="4629133"/>
             <a:ext cx="5395523" cy="2231707"/>
           </a:xfrm>
           <a:custGeom>
@@ -613,7 +613,7 @@
         <p:spPr bwMode="auto">
           <a:xfrm>
             <a:off x="4655839" y="2708919"/>
-            <a:ext cx="6720746" cy="720079"/>
+            <a:ext cx="6720745" cy="720079"/>
           </a:xfrm>
         </p:spPr>
         <p:txBody>
@@ -810,7 +810,7 @@
         <p:spPr bwMode="auto">
           <a:xfrm>
             <a:off x="4595833" y="1808820"/>
-            <a:ext cx="6720746" cy="720079"/>
+            <a:ext cx="6720745" cy="720079"/>
           </a:xfrm>
         </p:spPr>
         <p:txBody>
@@ -3451,7 +3451,7 @@
         </p:nvSpPr>
         <p:spPr bwMode="auto">
           <a:xfrm>
-            <a:off x="1637457" y="1"/>
+            <a:off x="1637456" y="1"/>
             <a:ext cx="3839633" cy="2609650"/>
           </a:xfrm>
           <a:custGeom>
@@ -3684,7 +3684,7 @@
         <p:spPr bwMode="auto">
           <a:xfrm>
             <a:off x="609599" y="6356351"/>
-            <a:ext cx="2844799" cy="365125"/>
+            <a:ext cx="2844798" cy="365125"/>
           </a:xfrm>
           <a:prstGeom prst="rect">
             <a:avLst/>
@@ -3768,7 +3768,7 @@
         <p:spPr bwMode="auto">
           <a:xfrm>
             <a:off x="8737599" y="6356351"/>
-            <a:ext cx="2844799" cy="365125"/>
+            <a:ext cx="2844798" cy="365125"/>
           </a:xfrm>
           <a:prstGeom prst="rect">
             <a:avLst/>
@@ -4435,7 +4435,7 @@
             </a:pPr>
             <a:r>
               <a:rPr/>
-              <a:t>Twist calculated from different timed detection</a:t>
+              <a:t>Twist calculated from two different timed detections</a:t>
             </a:r>
             <a:endParaRPr/>
           </a:p>
@@ -5105,7 +5105,7 @@
             </a:pPr>
             <a:r>
               <a:rPr/>
-              <a:t>Rapicam node: implemented, tested, missing calibration</a:t>
+              <a:t>Raspicam node: implemented, tested, missing calibration</a:t>
             </a:r>
             <a:endParaRPr/>
           </a:p>
@@ -5135,7 +5135,7 @@
             </a:pPr>
             <a:r>
               <a:rPr/>
-              <a:t>Apriltag detection: implemented and tested the communication and topic</a:t>
+              <a:t>Apriltag detection: implemented and tested the communication and topic publishing</a:t>
             </a:r>
             <a:endParaRPr/>
           </a:p>
@@ -5781,27 +5781,93 @@
           </a:p>
         </p:txBody>
       </p:sp>
-      <p:sp>
-        <p:nvSpPr>
-          <p:cNvPr id="163725544" name="Content Placeholder 2" hidden="0"/>
-          <p:cNvSpPr>
-            <a:spLocks noGrp="1"/>
-          </p:cNvSpPr>
-          <p:nvPr isPhoto="0" userDrawn="0">
-            <p:ph idx="1" hasCustomPrompt="0"/>
-          </p:nvPr>
-        </p:nvSpPr>
-        <p:spPr bwMode="auto"/>
-        <p:txBody>
-          <a:bodyPr/>
-          <a:lstStyle/>
-          <a:p>
-            <a:pPr>
-              <a:defRPr/>
-            </a:pPr>
-            <a:r>
-              <a:rPr/>
-              <a:t>Inserisci screen dei nodi su ermes</a:t>
+      <p:pic>
+        <p:nvPicPr>
+          <p:cNvPr id="941159400" name="" hidden="0"/>
+          <p:cNvPicPr>
+            <a:picLocks noChangeAspect="1"/>
+          </p:cNvPicPr>
+          <p:nvPr isPhoto="0" userDrawn="0"/>
+        </p:nvPicPr>
+        <p:blipFill>
+          <a:blip r:embed="rId2"/>
+          <a:stretch/>
+        </p:blipFill>
+        <p:spPr bwMode="auto">
+          <a:xfrm flipH="0" flipV="0">
+            <a:off x="685471" y="1817116"/>
+            <a:ext cx="10821054" cy="2270310"/>
+          </a:xfrm>
+          <a:prstGeom prst="rect">
+            <a:avLst/>
+          </a:prstGeom>
+        </p:spPr>
+      </p:pic>
+      <p:sp>
+        <p:nvSpPr>
+          <p:cNvPr id="1329644442" name="" hidden="0"/>
+          <p:cNvSpPr txBox="1"/>
+          <p:nvPr isPhoto="0" userDrawn="0"/>
+        </p:nvSpPr>
+        <p:spPr bwMode="auto">
+          <a:xfrm flipH="0" flipV="0">
+            <a:off x="694514" y="4522062"/>
+            <a:ext cx="10961037" cy="1188755"/>
+          </a:xfrm>
+          <a:prstGeom prst="rect">
+            <a:avLst/>
+          </a:prstGeom>
+          <a:noFill/>
+        </p:spPr>
+        <p:txBody>
+          <a:bodyPr vertOverflow="overflow" horzOverflow="clip" vert="horz" wrap="square" lIns="91440" tIns="45720" rIns="91440" bIns="45720" numCol="1" spcCol="0" rtlCol="0" fromWordArt="0" anchor="t" anchorCtr="0" forceAA="0" upright="0" compatLnSpc="0">
+            <a:spAutoFit/>
+          </a:bodyPr>
+          <a:p>
+            <a:pPr marL="283879" indent="-283879">
+              <a:buFont typeface="Arial"/>
+              <a:buChar char="•"/>
+              <a:defRPr/>
+            </a:pPr>
+            <a:r>
+              <a:rPr/>
+              <a:t>Raspicam</a:t>
+            </a:r>
+            <a:endParaRPr/>
+          </a:p>
+          <a:p>
+            <a:pPr marL="283879" indent="-283879">
+              <a:buFont typeface="Arial"/>
+              <a:buChar char="•"/>
+              <a:defRPr/>
+            </a:pPr>
+            <a:r>
+              <a:rPr/>
+              <a:t>Image Processing</a:t>
+            </a:r>
+            <a:endParaRPr/>
+          </a:p>
+          <a:p>
+            <a:pPr marL="283879" indent="-283879">
+              <a:buFont typeface="Arial"/>
+              <a:buChar char="•"/>
+              <a:defRPr/>
+            </a:pPr>
+            <a:r>
+              <a:rPr/>
+              <a:t>Synchronization</a:t>
+            </a:r>
+            <a:endParaRPr/>
+          </a:p>
+          <a:p>
+            <a:pPr marL="283879" indent="-283879">
+              <a:buFont typeface="Arial"/>
+              <a:buChar char="•"/>
+              <a:defRPr/>
+            </a:pPr>
+            <a:r>
+              <a:rPr/>
+              <a:t>AprilTag</a:t>
             </a:r>
             <a:endParaRPr/>
           </a:p>
